--- a/ppt 16-9/0966.主率军队向前行.pptx
+++ b/ppt 16-9/0966.主率军队向前行.pptx
@@ -129,7 +129,7 @@
           <p:cNvPr id="2" name="标题 1">
             <a:extLst>
               <a:ext uri="{FF2B5EF4-FFF2-40B4-BE49-F238E27FC236}">
-                <a16:creationId xmlns:a16="http://schemas.microsoft.com/office/drawing/2014/main" id="{20DF8F02-30E7-6864-5A85-B5E624D8C943}"/>
+                <a16:creationId xmlns:a16="http://schemas.microsoft.com/office/drawing/2014/main" id="{24BF462B-FAEE-3A28-571B-BA9EFBF85093}"/>
               </a:ext>
             </a:extLst>
           </p:cNvPr>
@@ -166,7 +166,7 @@
           <p:cNvPr id="3" name="副标题 2">
             <a:extLst>
               <a:ext uri="{FF2B5EF4-FFF2-40B4-BE49-F238E27FC236}">
-                <a16:creationId xmlns:a16="http://schemas.microsoft.com/office/drawing/2014/main" id="{7C3874B9-2C3E-6F53-9833-A7F83F103110}"/>
+                <a16:creationId xmlns:a16="http://schemas.microsoft.com/office/drawing/2014/main" id="{ECDCA1ED-04CC-538E-D811-022B1D3BF0E0}"/>
               </a:ext>
             </a:extLst>
           </p:cNvPr>
@@ -236,7 +236,7 @@
           <p:cNvPr id="4" name="日期占位符 3">
             <a:extLst>
               <a:ext uri="{FF2B5EF4-FFF2-40B4-BE49-F238E27FC236}">
-                <a16:creationId xmlns:a16="http://schemas.microsoft.com/office/drawing/2014/main" id="{0AFE74F5-CAF7-AE58-CFCA-5DD3FB543233}"/>
+                <a16:creationId xmlns:a16="http://schemas.microsoft.com/office/drawing/2014/main" id="{F3EADA48-5B99-EACA-09CD-65C8676351F8}"/>
               </a:ext>
             </a:extLst>
           </p:cNvPr>
@@ -252,7 +252,7 @@
           <a:bodyPr/>
           <a:lstStyle/>
           <a:p>
-            <a:fld id="{9AEB049E-18BD-429D-8E14-6D441DFF5E0D}" type="datetimeFigureOut">
+            <a:fld id="{F9021469-322F-4074-87AD-BFB787F4086F}" type="datetimeFigureOut">
               <a:rPr lang="zh-CN" altLang="en-US" smtClean="0"/>
               <a:t>2024/3/10</a:t>
             </a:fld>
@@ -265,7 +265,7 @@
           <p:cNvPr id="5" name="页脚占位符 4">
             <a:extLst>
               <a:ext uri="{FF2B5EF4-FFF2-40B4-BE49-F238E27FC236}">
-                <a16:creationId xmlns:a16="http://schemas.microsoft.com/office/drawing/2014/main" id="{9B629A37-43F5-EDB6-2AE8-6CE2B236834C}"/>
+                <a16:creationId xmlns:a16="http://schemas.microsoft.com/office/drawing/2014/main" id="{308A4AF5-CE77-B1C8-4134-0B738990A591}"/>
               </a:ext>
             </a:extLst>
           </p:cNvPr>
@@ -290,7 +290,7 @@
           <p:cNvPr id="6" name="灯片编号占位符 5">
             <a:extLst>
               <a:ext uri="{FF2B5EF4-FFF2-40B4-BE49-F238E27FC236}">
-                <a16:creationId xmlns:a16="http://schemas.microsoft.com/office/drawing/2014/main" id="{6A0CB050-F496-83C9-7BDE-6A865848FC23}"/>
+                <a16:creationId xmlns:a16="http://schemas.microsoft.com/office/drawing/2014/main" id="{05DB74AF-0AC8-38FD-1852-14DAC45FADC3}"/>
               </a:ext>
             </a:extLst>
           </p:cNvPr>
@@ -306,7 +306,7 @@
           <a:bodyPr/>
           <a:lstStyle/>
           <a:p>
-            <a:fld id="{2A12BFE6-C5E1-4AF3-9DE5-5EF8995F1CD2}" type="slidenum">
+            <a:fld id="{7BB33A6D-FE43-429C-959A-0B65108E55BB}" type="slidenum">
               <a:rPr lang="zh-CN" altLang="en-US" smtClean="0"/>
               <a:t>‹#›</a:t>
             </a:fld>
@@ -317,7 +317,7 @@
     </p:spTree>
     <p:extLst>
       <p:ext uri="{BB962C8B-B14F-4D97-AF65-F5344CB8AC3E}">
-        <p14:creationId xmlns:p14="http://schemas.microsoft.com/office/powerpoint/2010/main" val="4018804627"/>
+        <p14:creationId xmlns:p14="http://schemas.microsoft.com/office/powerpoint/2010/main" val="601766373"/>
       </p:ext>
     </p:extLst>
   </p:cSld>
@@ -349,7 +349,7 @@
           <p:cNvPr id="2" name="标题 1">
             <a:extLst>
               <a:ext uri="{FF2B5EF4-FFF2-40B4-BE49-F238E27FC236}">
-                <a16:creationId xmlns:a16="http://schemas.microsoft.com/office/drawing/2014/main" id="{E049B9F4-7A61-5076-8764-3E970C0367D6}"/>
+                <a16:creationId xmlns:a16="http://schemas.microsoft.com/office/drawing/2014/main" id="{07137260-63E9-8F6E-9F22-40CBFD897791}"/>
               </a:ext>
             </a:extLst>
           </p:cNvPr>
@@ -377,7 +377,7 @@
           <p:cNvPr id="3" name="竖排文字占位符 2">
             <a:extLst>
               <a:ext uri="{FF2B5EF4-FFF2-40B4-BE49-F238E27FC236}">
-                <a16:creationId xmlns:a16="http://schemas.microsoft.com/office/drawing/2014/main" id="{B5A38A44-D488-FD61-675B-3EF5B7CD9FD8}"/>
+                <a16:creationId xmlns:a16="http://schemas.microsoft.com/office/drawing/2014/main" id="{0AD6937A-F5AE-992A-FC1A-1F33AEE091DA}"/>
               </a:ext>
             </a:extLst>
           </p:cNvPr>
@@ -434,7 +434,7 @@
           <p:cNvPr id="4" name="日期占位符 3">
             <a:extLst>
               <a:ext uri="{FF2B5EF4-FFF2-40B4-BE49-F238E27FC236}">
-                <a16:creationId xmlns:a16="http://schemas.microsoft.com/office/drawing/2014/main" id="{CF0C3628-AD73-2B60-3A41-506CDAA9FD9F}"/>
+                <a16:creationId xmlns:a16="http://schemas.microsoft.com/office/drawing/2014/main" id="{24E4E3D7-A37E-4112-5B18-AADC63B33650}"/>
               </a:ext>
             </a:extLst>
           </p:cNvPr>
@@ -450,7 +450,7 @@
           <a:bodyPr/>
           <a:lstStyle/>
           <a:p>
-            <a:fld id="{9AEB049E-18BD-429D-8E14-6D441DFF5E0D}" type="datetimeFigureOut">
+            <a:fld id="{F9021469-322F-4074-87AD-BFB787F4086F}" type="datetimeFigureOut">
               <a:rPr lang="zh-CN" altLang="en-US" smtClean="0"/>
               <a:t>2024/3/10</a:t>
             </a:fld>
@@ -463,7 +463,7 @@
           <p:cNvPr id="5" name="页脚占位符 4">
             <a:extLst>
               <a:ext uri="{FF2B5EF4-FFF2-40B4-BE49-F238E27FC236}">
-                <a16:creationId xmlns:a16="http://schemas.microsoft.com/office/drawing/2014/main" id="{9A28049A-C0B1-CFEE-41A2-3EF58F7AEE6A}"/>
+                <a16:creationId xmlns:a16="http://schemas.microsoft.com/office/drawing/2014/main" id="{2A9B594B-DCC2-38D3-310E-CA3C5694342D}"/>
               </a:ext>
             </a:extLst>
           </p:cNvPr>
@@ -488,7 +488,7 @@
           <p:cNvPr id="6" name="灯片编号占位符 5">
             <a:extLst>
               <a:ext uri="{FF2B5EF4-FFF2-40B4-BE49-F238E27FC236}">
-                <a16:creationId xmlns:a16="http://schemas.microsoft.com/office/drawing/2014/main" id="{CD3EFD74-0FD0-559C-5E20-4B38A734CE4E}"/>
+                <a16:creationId xmlns:a16="http://schemas.microsoft.com/office/drawing/2014/main" id="{B6F6E88A-16AC-BB0F-5359-68BC7D78F059}"/>
               </a:ext>
             </a:extLst>
           </p:cNvPr>
@@ -504,7 +504,7 @@
           <a:bodyPr/>
           <a:lstStyle/>
           <a:p>
-            <a:fld id="{2A12BFE6-C5E1-4AF3-9DE5-5EF8995F1CD2}" type="slidenum">
+            <a:fld id="{7BB33A6D-FE43-429C-959A-0B65108E55BB}" type="slidenum">
               <a:rPr lang="zh-CN" altLang="en-US" smtClean="0"/>
               <a:t>‹#›</a:t>
             </a:fld>
@@ -515,7 +515,7 @@
     </p:spTree>
     <p:extLst>
       <p:ext uri="{BB962C8B-B14F-4D97-AF65-F5344CB8AC3E}">
-        <p14:creationId xmlns:p14="http://schemas.microsoft.com/office/powerpoint/2010/main" val="3171509009"/>
+        <p14:creationId xmlns:p14="http://schemas.microsoft.com/office/powerpoint/2010/main" val="2674920768"/>
       </p:ext>
     </p:extLst>
   </p:cSld>
@@ -547,7 +547,7 @@
           <p:cNvPr id="2" name="竖排标题 1">
             <a:extLst>
               <a:ext uri="{FF2B5EF4-FFF2-40B4-BE49-F238E27FC236}">
-                <a16:creationId xmlns:a16="http://schemas.microsoft.com/office/drawing/2014/main" id="{B6EE9A85-C75A-702C-D5F7-DFE1DE8F9801}"/>
+                <a16:creationId xmlns:a16="http://schemas.microsoft.com/office/drawing/2014/main" id="{E7786167-5337-011D-5121-11C27F61E189}"/>
               </a:ext>
             </a:extLst>
           </p:cNvPr>
@@ -580,7 +580,7 @@
           <p:cNvPr id="3" name="竖排文字占位符 2">
             <a:extLst>
               <a:ext uri="{FF2B5EF4-FFF2-40B4-BE49-F238E27FC236}">
-                <a16:creationId xmlns:a16="http://schemas.microsoft.com/office/drawing/2014/main" id="{651B14F3-019E-8A59-4E29-F90680D083B5}"/>
+                <a16:creationId xmlns:a16="http://schemas.microsoft.com/office/drawing/2014/main" id="{9F0E4553-BEEB-B91D-9DEE-AC024347AE8D}"/>
               </a:ext>
             </a:extLst>
           </p:cNvPr>
@@ -642,7 +642,7 @@
           <p:cNvPr id="4" name="日期占位符 3">
             <a:extLst>
               <a:ext uri="{FF2B5EF4-FFF2-40B4-BE49-F238E27FC236}">
-                <a16:creationId xmlns:a16="http://schemas.microsoft.com/office/drawing/2014/main" id="{79785B68-E976-E43B-9D43-F40ABA261A5A}"/>
+                <a16:creationId xmlns:a16="http://schemas.microsoft.com/office/drawing/2014/main" id="{1B605B37-A3AC-7B3C-668B-34F188A47D78}"/>
               </a:ext>
             </a:extLst>
           </p:cNvPr>
@@ -658,7 +658,7 @@
           <a:bodyPr/>
           <a:lstStyle/>
           <a:p>
-            <a:fld id="{9AEB049E-18BD-429D-8E14-6D441DFF5E0D}" type="datetimeFigureOut">
+            <a:fld id="{F9021469-322F-4074-87AD-BFB787F4086F}" type="datetimeFigureOut">
               <a:rPr lang="zh-CN" altLang="en-US" smtClean="0"/>
               <a:t>2024/3/10</a:t>
             </a:fld>
@@ -671,7 +671,7 @@
           <p:cNvPr id="5" name="页脚占位符 4">
             <a:extLst>
               <a:ext uri="{FF2B5EF4-FFF2-40B4-BE49-F238E27FC236}">
-                <a16:creationId xmlns:a16="http://schemas.microsoft.com/office/drawing/2014/main" id="{EE03CAC5-72F8-F7D6-27CE-F4ABC48CA42D}"/>
+                <a16:creationId xmlns:a16="http://schemas.microsoft.com/office/drawing/2014/main" id="{B455711D-7711-4BCD-1976-DDEE19C79ACD}"/>
               </a:ext>
             </a:extLst>
           </p:cNvPr>
@@ -696,7 +696,7 @@
           <p:cNvPr id="6" name="灯片编号占位符 5">
             <a:extLst>
               <a:ext uri="{FF2B5EF4-FFF2-40B4-BE49-F238E27FC236}">
-                <a16:creationId xmlns:a16="http://schemas.microsoft.com/office/drawing/2014/main" id="{1D5902B2-7CD3-9886-9DAD-1D6C638AB6FD}"/>
+                <a16:creationId xmlns:a16="http://schemas.microsoft.com/office/drawing/2014/main" id="{EC111613-301C-ADA4-1C2B-DF3B057A6F5F}"/>
               </a:ext>
             </a:extLst>
           </p:cNvPr>
@@ -712,7 +712,7 @@
           <a:bodyPr/>
           <a:lstStyle/>
           <a:p>
-            <a:fld id="{2A12BFE6-C5E1-4AF3-9DE5-5EF8995F1CD2}" type="slidenum">
+            <a:fld id="{7BB33A6D-FE43-429C-959A-0B65108E55BB}" type="slidenum">
               <a:rPr lang="zh-CN" altLang="en-US" smtClean="0"/>
               <a:t>‹#›</a:t>
             </a:fld>
@@ -723,7 +723,7 @@
     </p:spTree>
     <p:extLst>
       <p:ext uri="{BB962C8B-B14F-4D97-AF65-F5344CB8AC3E}">
-        <p14:creationId xmlns:p14="http://schemas.microsoft.com/office/powerpoint/2010/main" val="36810050"/>
+        <p14:creationId xmlns:p14="http://schemas.microsoft.com/office/powerpoint/2010/main" val="2458044015"/>
       </p:ext>
     </p:extLst>
   </p:cSld>
@@ -755,7 +755,7 @@
           <p:cNvPr id="2" name="标题 1">
             <a:extLst>
               <a:ext uri="{FF2B5EF4-FFF2-40B4-BE49-F238E27FC236}">
-                <a16:creationId xmlns:a16="http://schemas.microsoft.com/office/drawing/2014/main" id="{D146C8B6-199E-5998-9C90-1829EB7069C5}"/>
+                <a16:creationId xmlns:a16="http://schemas.microsoft.com/office/drawing/2014/main" id="{CEB38F9F-1B90-E956-B114-55C355A1E015}"/>
               </a:ext>
             </a:extLst>
           </p:cNvPr>
@@ -783,7 +783,7 @@
           <p:cNvPr id="3" name="内容占位符 2">
             <a:extLst>
               <a:ext uri="{FF2B5EF4-FFF2-40B4-BE49-F238E27FC236}">
-                <a16:creationId xmlns:a16="http://schemas.microsoft.com/office/drawing/2014/main" id="{85B577AA-94AA-A6F9-A168-256733E11633}"/>
+                <a16:creationId xmlns:a16="http://schemas.microsoft.com/office/drawing/2014/main" id="{59FCD6AE-6D87-C3FC-3AD4-E2E33545BDBA}"/>
               </a:ext>
             </a:extLst>
           </p:cNvPr>
@@ -840,7 +840,7 @@
           <p:cNvPr id="4" name="日期占位符 3">
             <a:extLst>
               <a:ext uri="{FF2B5EF4-FFF2-40B4-BE49-F238E27FC236}">
-                <a16:creationId xmlns:a16="http://schemas.microsoft.com/office/drawing/2014/main" id="{BDD3C896-7ABF-47A2-141B-16782B93BA79}"/>
+                <a16:creationId xmlns:a16="http://schemas.microsoft.com/office/drawing/2014/main" id="{43513541-FFE3-52A0-8B93-928ACD9C0051}"/>
               </a:ext>
             </a:extLst>
           </p:cNvPr>
@@ -856,7 +856,7 @@
           <a:bodyPr/>
           <a:lstStyle/>
           <a:p>
-            <a:fld id="{9AEB049E-18BD-429D-8E14-6D441DFF5E0D}" type="datetimeFigureOut">
+            <a:fld id="{F9021469-322F-4074-87AD-BFB787F4086F}" type="datetimeFigureOut">
               <a:rPr lang="zh-CN" altLang="en-US" smtClean="0"/>
               <a:t>2024/3/10</a:t>
             </a:fld>
@@ -869,7 +869,7 @@
           <p:cNvPr id="5" name="页脚占位符 4">
             <a:extLst>
               <a:ext uri="{FF2B5EF4-FFF2-40B4-BE49-F238E27FC236}">
-                <a16:creationId xmlns:a16="http://schemas.microsoft.com/office/drawing/2014/main" id="{0B1BBB55-2F2B-C6B3-828F-E828F402C1B9}"/>
+                <a16:creationId xmlns:a16="http://schemas.microsoft.com/office/drawing/2014/main" id="{83101BD9-EAEE-5179-8410-38C59FE70824}"/>
               </a:ext>
             </a:extLst>
           </p:cNvPr>
@@ -894,7 +894,7 @@
           <p:cNvPr id="6" name="灯片编号占位符 5">
             <a:extLst>
               <a:ext uri="{FF2B5EF4-FFF2-40B4-BE49-F238E27FC236}">
-                <a16:creationId xmlns:a16="http://schemas.microsoft.com/office/drawing/2014/main" id="{C835FBDC-60EA-8C4C-1265-DE65EB22CB7D}"/>
+                <a16:creationId xmlns:a16="http://schemas.microsoft.com/office/drawing/2014/main" id="{76F09052-629B-FD14-285C-02D0CC934512}"/>
               </a:ext>
             </a:extLst>
           </p:cNvPr>
@@ -910,7 +910,7 @@
           <a:bodyPr/>
           <a:lstStyle/>
           <a:p>
-            <a:fld id="{2A12BFE6-C5E1-4AF3-9DE5-5EF8995F1CD2}" type="slidenum">
+            <a:fld id="{7BB33A6D-FE43-429C-959A-0B65108E55BB}" type="slidenum">
               <a:rPr lang="zh-CN" altLang="en-US" smtClean="0"/>
               <a:t>‹#›</a:t>
             </a:fld>
@@ -921,7 +921,7 @@
     </p:spTree>
     <p:extLst>
       <p:ext uri="{BB962C8B-B14F-4D97-AF65-F5344CB8AC3E}">
-        <p14:creationId xmlns:p14="http://schemas.microsoft.com/office/powerpoint/2010/main" val="4066312793"/>
+        <p14:creationId xmlns:p14="http://schemas.microsoft.com/office/powerpoint/2010/main" val="343722676"/>
       </p:ext>
     </p:extLst>
   </p:cSld>
@@ -953,7 +953,7 @@
           <p:cNvPr id="2" name="标题 1">
             <a:extLst>
               <a:ext uri="{FF2B5EF4-FFF2-40B4-BE49-F238E27FC236}">
-                <a16:creationId xmlns:a16="http://schemas.microsoft.com/office/drawing/2014/main" id="{85008738-8E1D-7223-0C38-B7E4F9BD0645}"/>
+                <a16:creationId xmlns:a16="http://schemas.microsoft.com/office/drawing/2014/main" id="{D6EC8EBE-C16D-1D8A-BE3F-C581E32F414F}"/>
               </a:ext>
             </a:extLst>
           </p:cNvPr>
@@ -990,7 +990,7 @@
           <p:cNvPr id="3" name="文本占位符 2">
             <a:extLst>
               <a:ext uri="{FF2B5EF4-FFF2-40B4-BE49-F238E27FC236}">
-                <a16:creationId xmlns:a16="http://schemas.microsoft.com/office/drawing/2014/main" id="{58F79883-4356-1B12-6FEA-2F19194EB351}"/>
+                <a16:creationId xmlns:a16="http://schemas.microsoft.com/office/drawing/2014/main" id="{88C9709A-39A1-CB26-727E-EEA6661EE838}"/>
               </a:ext>
             </a:extLst>
           </p:cNvPr>
@@ -1115,7 +1115,7 @@
           <p:cNvPr id="4" name="日期占位符 3">
             <a:extLst>
               <a:ext uri="{FF2B5EF4-FFF2-40B4-BE49-F238E27FC236}">
-                <a16:creationId xmlns:a16="http://schemas.microsoft.com/office/drawing/2014/main" id="{AFD52F76-BEE0-281A-A5EF-D34F6E2C493D}"/>
+                <a16:creationId xmlns:a16="http://schemas.microsoft.com/office/drawing/2014/main" id="{F8924F11-0332-1E75-970D-7F09BA39C7F5}"/>
               </a:ext>
             </a:extLst>
           </p:cNvPr>
@@ -1131,7 +1131,7 @@
           <a:bodyPr/>
           <a:lstStyle/>
           <a:p>
-            <a:fld id="{9AEB049E-18BD-429D-8E14-6D441DFF5E0D}" type="datetimeFigureOut">
+            <a:fld id="{F9021469-322F-4074-87AD-BFB787F4086F}" type="datetimeFigureOut">
               <a:rPr lang="zh-CN" altLang="en-US" smtClean="0"/>
               <a:t>2024/3/10</a:t>
             </a:fld>
@@ -1144,7 +1144,7 @@
           <p:cNvPr id="5" name="页脚占位符 4">
             <a:extLst>
               <a:ext uri="{FF2B5EF4-FFF2-40B4-BE49-F238E27FC236}">
-                <a16:creationId xmlns:a16="http://schemas.microsoft.com/office/drawing/2014/main" id="{8BB7C2D6-85E4-7306-4318-47C5A313FEAD}"/>
+                <a16:creationId xmlns:a16="http://schemas.microsoft.com/office/drawing/2014/main" id="{CBC83818-A9C5-F875-4EEE-6194FA7EC06C}"/>
               </a:ext>
             </a:extLst>
           </p:cNvPr>
@@ -1169,7 +1169,7 @@
           <p:cNvPr id="6" name="灯片编号占位符 5">
             <a:extLst>
               <a:ext uri="{FF2B5EF4-FFF2-40B4-BE49-F238E27FC236}">
-                <a16:creationId xmlns:a16="http://schemas.microsoft.com/office/drawing/2014/main" id="{594E6751-F5CA-8419-87F1-62B8D466B334}"/>
+                <a16:creationId xmlns:a16="http://schemas.microsoft.com/office/drawing/2014/main" id="{6233F26C-3D6D-81A7-60FA-5A6A20FD2D37}"/>
               </a:ext>
             </a:extLst>
           </p:cNvPr>
@@ -1185,7 +1185,7 @@
           <a:bodyPr/>
           <a:lstStyle/>
           <a:p>
-            <a:fld id="{2A12BFE6-C5E1-4AF3-9DE5-5EF8995F1CD2}" type="slidenum">
+            <a:fld id="{7BB33A6D-FE43-429C-959A-0B65108E55BB}" type="slidenum">
               <a:rPr lang="zh-CN" altLang="en-US" smtClean="0"/>
               <a:t>‹#›</a:t>
             </a:fld>
@@ -1196,7 +1196,7 @@
     </p:spTree>
     <p:extLst>
       <p:ext uri="{BB962C8B-B14F-4D97-AF65-F5344CB8AC3E}">
-        <p14:creationId xmlns:p14="http://schemas.microsoft.com/office/powerpoint/2010/main" val="3247497293"/>
+        <p14:creationId xmlns:p14="http://schemas.microsoft.com/office/powerpoint/2010/main" val="1863461571"/>
       </p:ext>
     </p:extLst>
   </p:cSld>
@@ -1228,7 +1228,7 @@
           <p:cNvPr id="2" name="标题 1">
             <a:extLst>
               <a:ext uri="{FF2B5EF4-FFF2-40B4-BE49-F238E27FC236}">
-                <a16:creationId xmlns:a16="http://schemas.microsoft.com/office/drawing/2014/main" id="{055518AA-C87B-3523-989B-DACFC78F0967}"/>
+                <a16:creationId xmlns:a16="http://schemas.microsoft.com/office/drawing/2014/main" id="{E276F808-DE86-17EB-AACD-643D8F242645}"/>
               </a:ext>
             </a:extLst>
           </p:cNvPr>
@@ -1256,7 +1256,7 @@
           <p:cNvPr id="3" name="内容占位符 2">
             <a:extLst>
               <a:ext uri="{FF2B5EF4-FFF2-40B4-BE49-F238E27FC236}">
-                <a16:creationId xmlns:a16="http://schemas.microsoft.com/office/drawing/2014/main" id="{BA335473-56E7-8FA2-5BC9-39556DD90638}"/>
+                <a16:creationId xmlns:a16="http://schemas.microsoft.com/office/drawing/2014/main" id="{850FDB5E-C36A-CFF4-4439-FBB7858E3037}"/>
               </a:ext>
             </a:extLst>
           </p:cNvPr>
@@ -1318,7 +1318,7 @@
           <p:cNvPr id="4" name="内容占位符 3">
             <a:extLst>
               <a:ext uri="{FF2B5EF4-FFF2-40B4-BE49-F238E27FC236}">
-                <a16:creationId xmlns:a16="http://schemas.microsoft.com/office/drawing/2014/main" id="{4DB22523-BCF8-EFB2-1F65-31CE89C2D04B}"/>
+                <a16:creationId xmlns:a16="http://schemas.microsoft.com/office/drawing/2014/main" id="{88242FD7-F88E-673E-72FE-1AA133E905AB}"/>
               </a:ext>
             </a:extLst>
           </p:cNvPr>
@@ -1380,7 +1380,7 @@
           <p:cNvPr id="5" name="日期占位符 4">
             <a:extLst>
               <a:ext uri="{FF2B5EF4-FFF2-40B4-BE49-F238E27FC236}">
-                <a16:creationId xmlns:a16="http://schemas.microsoft.com/office/drawing/2014/main" id="{7F87CA39-AE03-8493-B58B-918CDEA9FDA7}"/>
+                <a16:creationId xmlns:a16="http://schemas.microsoft.com/office/drawing/2014/main" id="{754D1E4E-2148-B2D2-5A91-A52F88427480}"/>
               </a:ext>
             </a:extLst>
           </p:cNvPr>
@@ -1396,7 +1396,7 @@
           <a:bodyPr/>
           <a:lstStyle/>
           <a:p>
-            <a:fld id="{9AEB049E-18BD-429D-8E14-6D441DFF5E0D}" type="datetimeFigureOut">
+            <a:fld id="{F9021469-322F-4074-87AD-BFB787F4086F}" type="datetimeFigureOut">
               <a:rPr lang="zh-CN" altLang="en-US" smtClean="0"/>
               <a:t>2024/3/10</a:t>
             </a:fld>
@@ -1409,7 +1409,7 @@
           <p:cNvPr id="6" name="页脚占位符 5">
             <a:extLst>
               <a:ext uri="{FF2B5EF4-FFF2-40B4-BE49-F238E27FC236}">
-                <a16:creationId xmlns:a16="http://schemas.microsoft.com/office/drawing/2014/main" id="{99B28240-C242-253B-31EC-6C732D56E077}"/>
+                <a16:creationId xmlns:a16="http://schemas.microsoft.com/office/drawing/2014/main" id="{DA4D2C8E-B3E3-22C0-D3CB-CC23274900A5}"/>
               </a:ext>
             </a:extLst>
           </p:cNvPr>
@@ -1434,7 +1434,7 @@
           <p:cNvPr id="7" name="灯片编号占位符 6">
             <a:extLst>
               <a:ext uri="{FF2B5EF4-FFF2-40B4-BE49-F238E27FC236}">
-                <a16:creationId xmlns:a16="http://schemas.microsoft.com/office/drawing/2014/main" id="{D7C0766B-5183-E95A-1D48-CDA975E39920}"/>
+                <a16:creationId xmlns:a16="http://schemas.microsoft.com/office/drawing/2014/main" id="{29ACFC7B-659F-5543-9830-475D3A3C4AA0}"/>
               </a:ext>
             </a:extLst>
           </p:cNvPr>
@@ -1450,7 +1450,7 @@
           <a:bodyPr/>
           <a:lstStyle/>
           <a:p>
-            <a:fld id="{2A12BFE6-C5E1-4AF3-9DE5-5EF8995F1CD2}" type="slidenum">
+            <a:fld id="{7BB33A6D-FE43-429C-959A-0B65108E55BB}" type="slidenum">
               <a:rPr lang="zh-CN" altLang="en-US" smtClean="0"/>
               <a:t>‹#›</a:t>
             </a:fld>
@@ -1461,7 +1461,7 @@
     </p:spTree>
     <p:extLst>
       <p:ext uri="{BB962C8B-B14F-4D97-AF65-F5344CB8AC3E}">
-        <p14:creationId xmlns:p14="http://schemas.microsoft.com/office/powerpoint/2010/main" val="52651272"/>
+        <p14:creationId xmlns:p14="http://schemas.microsoft.com/office/powerpoint/2010/main" val="233254449"/>
       </p:ext>
     </p:extLst>
   </p:cSld>
@@ -1493,7 +1493,7 @@
           <p:cNvPr id="2" name="标题 1">
             <a:extLst>
               <a:ext uri="{FF2B5EF4-FFF2-40B4-BE49-F238E27FC236}">
-                <a16:creationId xmlns:a16="http://schemas.microsoft.com/office/drawing/2014/main" id="{797900F1-78D8-199D-C234-BA260D10D63C}"/>
+                <a16:creationId xmlns:a16="http://schemas.microsoft.com/office/drawing/2014/main" id="{79F272FE-3977-96B4-89A9-160FE1FC07C0}"/>
               </a:ext>
             </a:extLst>
           </p:cNvPr>
@@ -1526,7 +1526,7 @@
           <p:cNvPr id="3" name="文本占位符 2">
             <a:extLst>
               <a:ext uri="{FF2B5EF4-FFF2-40B4-BE49-F238E27FC236}">
-                <a16:creationId xmlns:a16="http://schemas.microsoft.com/office/drawing/2014/main" id="{80C36F89-3CF2-E810-316C-C71BA58DBAC1}"/>
+                <a16:creationId xmlns:a16="http://schemas.microsoft.com/office/drawing/2014/main" id="{62F607D9-C728-23B7-A4CC-60B8B863CEEF}"/>
               </a:ext>
             </a:extLst>
           </p:cNvPr>
@@ -1597,7 +1597,7 @@
           <p:cNvPr id="4" name="内容占位符 3">
             <a:extLst>
               <a:ext uri="{FF2B5EF4-FFF2-40B4-BE49-F238E27FC236}">
-                <a16:creationId xmlns:a16="http://schemas.microsoft.com/office/drawing/2014/main" id="{7A326E56-AB7D-8C89-3E13-364432E4F2C6}"/>
+                <a16:creationId xmlns:a16="http://schemas.microsoft.com/office/drawing/2014/main" id="{78E9876B-8B2F-4F48-863C-56D45B970695}"/>
               </a:ext>
             </a:extLst>
           </p:cNvPr>
@@ -1659,7 +1659,7 @@
           <p:cNvPr id="5" name="文本占位符 4">
             <a:extLst>
               <a:ext uri="{FF2B5EF4-FFF2-40B4-BE49-F238E27FC236}">
-                <a16:creationId xmlns:a16="http://schemas.microsoft.com/office/drawing/2014/main" id="{DF8C893D-A53C-9858-47BA-9B56D307CD45}"/>
+                <a16:creationId xmlns:a16="http://schemas.microsoft.com/office/drawing/2014/main" id="{EB9C8220-EBDE-877E-79D6-CE93DBC560B2}"/>
               </a:ext>
             </a:extLst>
           </p:cNvPr>
@@ -1730,7 +1730,7 @@
           <p:cNvPr id="6" name="内容占位符 5">
             <a:extLst>
               <a:ext uri="{FF2B5EF4-FFF2-40B4-BE49-F238E27FC236}">
-                <a16:creationId xmlns:a16="http://schemas.microsoft.com/office/drawing/2014/main" id="{DF30A807-C80A-1D46-6BF0-A362A0D0C6CF}"/>
+                <a16:creationId xmlns:a16="http://schemas.microsoft.com/office/drawing/2014/main" id="{2B12A180-CFC1-A088-BE04-CBDD76F22001}"/>
               </a:ext>
             </a:extLst>
           </p:cNvPr>
@@ -1792,7 +1792,7 @@
           <p:cNvPr id="7" name="日期占位符 6">
             <a:extLst>
               <a:ext uri="{FF2B5EF4-FFF2-40B4-BE49-F238E27FC236}">
-                <a16:creationId xmlns:a16="http://schemas.microsoft.com/office/drawing/2014/main" id="{199566E9-393E-5DE5-BADB-FA6620366DCD}"/>
+                <a16:creationId xmlns:a16="http://schemas.microsoft.com/office/drawing/2014/main" id="{4E2144D4-75B8-46CD-4A25-9140590339DB}"/>
               </a:ext>
             </a:extLst>
           </p:cNvPr>
@@ -1808,7 +1808,7 @@
           <a:bodyPr/>
           <a:lstStyle/>
           <a:p>
-            <a:fld id="{9AEB049E-18BD-429D-8E14-6D441DFF5E0D}" type="datetimeFigureOut">
+            <a:fld id="{F9021469-322F-4074-87AD-BFB787F4086F}" type="datetimeFigureOut">
               <a:rPr lang="zh-CN" altLang="en-US" smtClean="0"/>
               <a:t>2024/3/10</a:t>
             </a:fld>
@@ -1821,7 +1821,7 @@
           <p:cNvPr id="8" name="页脚占位符 7">
             <a:extLst>
               <a:ext uri="{FF2B5EF4-FFF2-40B4-BE49-F238E27FC236}">
-                <a16:creationId xmlns:a16="http://schemas.microsoft.com/office/drawing/2014/main" id="{3FB34F65-8370-D5F2-F3DE-9DE6BAD39E20}"/>
+                <a16:creationId xmlns:a16="http://schemas.microsoft.com/office/drawing/2014/main" id="{D8425EA4-DC19-2980-AC56-37F8167BC197}"/>
               </a:ext>
             </a:extLst>
           </p:cNvPr>
@@ -1846,7 +1846,7 @@
           <p:cNvPr id="9" name="灯片编号占位符 8">
             <a:extLst>
               <a:ext uri="{FF2B5EF4-FFF2-40B4-BE49-F238E27FC236}">
-                <a16:creationId xmlns:a16="http://schemas.microsoft.com/office/drawing/2014/main" id="{E626391B-975E-F51F-8571-503DA5C695A8}"/>
+                <a16:creationId xmlns:a16="http://schemas.microsoft.com/office/drawing/2014/main" id="{7E7CDFC2-59E6-3A1A-A78F-FC9F059D8C59}"/>
               </a:ext>
             </a:extLst>
           </p:cNvPr>
@@ -1862,7 +1862,7 @@
           <a:bodyPr/>
           <a:lstStyle/>
           <a:p>
-            <a:fld id="{2A12BFE6-C5E1-4AF3-9DE5-5EF8995F1CD2}" type="slidenum">
+            <a:fld id="{7BB33A6D-FE43-429C-959A-0B65108E55BB}" type="slidenum">
               <a:rPr lang="zh-CN" altLang="en-US" smtClean="0"/>
               <a:t>‹#›</a:t>
             </a:fld>
@@ -1873,7 +1873,7 @@
     </p:spTree>
     <p:extLst>
       <p:ext uri="{BB962C8B-B14F-4D97-AF65-F5344CB8AC3E}">
-        <p14:creationId xmlns:p14="http://schemas.microsoft.com/office/powerpoint/2010/main" val="4262323630"/>
+        <p14:creationId xmlns:p14="http://schemas.microsoft.com/office/powerpoint/2010/main" val="1265678890"/>
       </p:ext>
     </p:extLst>
   </p:cSld>
@@ -1905,7 +1905,7 @@
           <p:cNvPr id="2" name="标题 1">
             <a:extLst>
               <a:ext uri="{FF2B5EF4-FFF2-40B4-BE49-F238E27FC236}">
-                <a16:creationId xmlns:a16="http://schemas.microsoft.com/office/drawing/2014/main" id="{7BC2630C-7FF6-43DD-4C2B-5E276A1ED72C}"/>
+                <a16:creationId xmlns:a16="http://schemas.microsoft.com/office/drawing/2014/main" id="{EA258AFE-5815-CE41-AEEE-121A93CEC988}"/>
               </a:ext>
             </a:extLst>
           </p:cNvPr>
@@ -1933,7 +1933,7 @@
           <p:cNvPr id="3" name="日期占位符 2">
             <a:extLst>
               <a:ext uri="{FF2B5EF4-FFF2-40B4-BE49-F238E27FC236}">
-                <a16:creationId xmlns:a16="http://schemas.microsoft.com/office/drawing/2014/main" id="{4811A5FE-ADCA-D863-A2D1-C6B1030309C0}"/>
+                <a16:creationId xmlns:a16="http://schemas.microsoft.com/office/drawing/2014/main" id="{8C69CFEE-B1A3-CD65-8DBE-A6881C0B8752}"/>
               </a:ext>
             </a:extLst>
           </p:cNvPr>
@@ -1949,7 +1949,7 @@
           <a:bodyPr/>
           <a:lstStyle/>
           <a:p>
-            <a:fld id="{9AEB049E-18BD-429D-8E14-6D441DFF5E0D}" type="datetimeFigureOut">
+            <a:fld id="{F9021469-322F-4074-87AD-BFB787F4086F}" type="datetimeFigureOut">
               <a:rPr lang="zh-CN" altLang="en-US" smtClean="0"/>
               <a:t>2024/3/10</a:t>
             </a:fld>
@@ -1962,7 +1962,7 @@
           <p:cNvPr id="4" name="页脚占位符 3">
             <a:extLst>
               <a:ext uri="{FF2B5EF4-FFF2-40B4-BE49-F238E27FC236}">
-                <a16:creationId xmlns:a16="http://schemas.microsoft.com/office/drawing/2014/main" id="{2B0F7010-D9C5-6B8F-6E7E-1826A6E0D13C}"/>
+                <a16:creationId xmlns:a16="http://schemas.microsoft.com/office/drawing/2014/main" id="{588303E1-8EED-2DDF-6AF8-AF137A16E023}"/>
               </a:ext>
             </a:extLst>
           </p:cNvPr>
@@ -1987,7 +1987,7 @@
           <p:cNvPr id="5" name="灯片编号占位符 4">
             <a:extLst>
               <a:ext uri="{FF2B5EF4-FFF2-40B4-BE49-F238E27FC236}">
-                <a16:creationId xmlns:a16="http://schemas.microsoft.com/office/drawing/2014/main" id="{A2BDA130-DF60-BDAD-4F0E-7D133546A5D7}"/>
+                <a16:creationId xmlns:a16="http://schemas.microsoft.com/office/drawing/2014/main" id="{2471992D-59E5-D6C2-C036-BE7A2AC19B6C}"/>
               </a:ext>
             </a:extLst>
           </p:cNvPr>
@@ -2003,7 +2003,7 @@
           <a:bodyPr/>
           <a:lstStyle/>
           <a:p>
-            <a:fld id="{2A12BFE6-C5E1-4AF3-9DE5-5EF8995F1CD2}" type="slidenum">
+            <a:fld id="{7BB33A6D-FE43-429C-959A-0B65108E55BB}" type="slidenum">
               <a:rPr lang="zh-CN" altLang="en-US" smtClean="0"/>
               <a:t>‹#›</a:t>
             </a:fld>
@@ -2014,7 +2014,7 @@
     </p:spTree>
     <p:extLst>
       <p:ext uri="{BB962C8B-B14F-4D97-AF65-F5344CB8AC3E}">
-        <p14:creationId xmlns:p14="http://schemas.microsoft.com/office/powerpoint/2010/main" val="2815363016"/>
+        <p14:creationId xmlns:p14="http://schemas.microsoft.com/office/powerpoint/2010/main" val="1515200610"/>
       </p:ext>
     </p:extLst>
   </p:cSld>
@@ -2046,7 +2046,7 @@
           <p:cNvPr id="2" name="日期占位符 1">
             <a:extLst>
               <a:ext uri="{FF2B5EF4-FFF2-40B4-BE49-F238E27FC236}">
-                <a16:creationId xmlns:a16="http://schemas.microsoft.com/office/drawing/2014/main" id="{12DDF182-9903-6908-1CE3-A7F4C4FBA341}"/>
+                <a16:creationId xmlns:a16="http://schemas.microsoft.com/office/drawing/2014/main" id="{3218B601-C444-509D-5444-F4F25A21239B}"/>
               </a:ext>
             </a:extLst>
           </p:cNvPr>
@@ -2062,7 +2062,7 @@
           <a:bodyPr/>
           <a:lstStyle/>
           <a:p>
-            <a:fld id="{9AEB049E-18BD-429D-8E14-6D441DFF5E0D}" type="datetimeFigureOut">
+            <a:fld id="{F9021469-322F-4074-87AD-BFB787F4086F}" type="datetimeFigureOut">
               <a:rPr lang="zh-CN" altLang="en-US" smtClean="0"/>
               <a:t>2024/3/10</a:t>
             </a:fld>
@@ -2075,7 +2075,7 @@
           <p:cNvPr id="3" name="页脚占位符 2">
             <a:extLst>
               <a:ext uri="{FF2B5EF4-FFF2-40B4-BE49-F238E27FC236}">
-                <a16:creationId xmlns:a16="http://schemas.microsoft.com/office/drawing/2014/main" id="{75ECF107-CA42-EED4-A9E5-3EE8F34D3631}"/>
+                <a16:creationId xmlns:a16="http://schemas.microsoft.com/office/drawing/2014/main" id="{5CF3FA42-0780-3351-92BC-8450A994C9F8}"/>
               </a:ext>
             </a:extLst>
           </p:cNvPr>
@@ -2100,7 +2100,7 @@
           <p:cNvPr id="4" name="灯片编号占位符 3">
             <a:extLst>
               <a:ext uri="{FF2B5EF4-FFF2-40B4-BE49-F238E27FC236}">
-                <a16:creationId xmlns:a16="http://schemas.microsoft.com/office/drawing/2014/main" id="{C46C8E7A-4E1B-A7EB-C580-BDF94379D701}"/>
+                <a16:creationId xmlns:a16="http://schemas.microsoft.com/office/drawing/2014/main" id="{03E8B5F4-3433-3069-0EF0-CF36A24D81D5}"/>
               </a:ext>
             </a:extLst>
           </p:cNvPr>
@@ -2116,7 +2116,7 @@
           <a:bodyPr/>
           <a:lstStyle/>
           <a:p>
-            <a:fld id="{2A12BFE6-C5E1-4AF3-9DE5-5EF8995F1CD2}" type="slidenum">
+            <a:fld id="{7BB33A6D-FE43-429C-959A-0B65108E55BB}" type="slidenum">
               <a:rPr lang="zh-CN" altLang="en-US" smtClean="0"/>
               <a:t>‹#›</a:t>
             </a:fld>
@@ -2127,7 +2127,7 @@
     </p:spTree>
     <p:extLst>
       <p:ext uri="{BB962C8B-B14F-4D97-AF65-F5344CB8AC3E}">
-        <p14:creationId xmlns:p14="http://schemas.microsoft.com/office/powerpoint/2010/main" val="3720937853"/>
+        <p14:creationId xmlns:p14="http://schemas.microsoft.com/office/powerpoint/2010/main" val="2355239326"/>
       </p:ext>
     </p:extLst>
   </p:cSld>
@@ -2159,7 +2159,7 @@
           <p:cNvPr id="2" name="标题 1">
             <a:extLst>
               <a:ext uri="{FF2B5EF4-FFF2-40B4-BE49-F238E27FC236}">
-                <a16:creationId xmlns:a16="http://schemas.microsoft.com/office/drawing/2014/main" id="{FF62BF02-56EA-F6F9-A849-5C6F7C7CEDB8}"/>
+                <a16:creationId xmlns:a16="http://schemas.microsoft.com/office/drawing/2014/main" id="{9FE156B1-ACB9-AB96-5E53-F77DBFE0EE59}"/>
               </a:ext>
             </a:extLst>
           </p:cNvPr>
@@ -2196,7 +2196,7 @@
           <p:cNvPr id="3" name="内容占位符 2">
             <a:extLst>
               <a:ext uri="{FF2B5EF4-FFF2-40B4-BE49-F238E27FC236}">
-                <a16:creationId xmlns:a16="http://schemas.microsoft.com/office/drawing/2014/main" id="{17EF34BA-BD1B-FA86-EB19-4BAC774306A2}"/>
+                <a16:creationId xmlns:a16="http://schemas.microsoft.com/office/drawing/2014/main" id="{F2579F52-536F-4C5B-9340-44F0A38E38D8}"/>
               </a:ext>
             </a:extLst>
           </p:cNvPr>
@@ -2286,7 +2286,7 @@
           <p:cNvPr id="4" name="文本占位符 3">
             <a:extLst>
               <a:ext uri="{FF2B5EF4-FFF2-40B4-BE49-F238E27FC236}">
-                <a16:creationId xmlns:a16="http://schemas.microsoft.com/office/drawing/2014/main" id="{EA45ED0E-EED7-52DA-0B73-ADA74857298C}"/>
+                <a16:creationId xmlns:a16="http://schemas.microsoft.com/office/drawing/2014/main" id="{413DD033-EE0B-C77D-3164-DDA7562D4459}"/>
               </a:ext>
             </a:extLst>
           </p:cNvPr>
@@ -2357,7 +2357,7 @@
           <p:cNvPr id="5" name="日期占位符 4">
             <a:extLst>
               <a:ext uri="{FF2B5EF4-FFF2-40B4-BE49-F238E27FC236}">
-                <a16:creationId xmlns:a16="http://schemas.microsoft.com/office/drawing/2014/main" id="{D7D73D51-3908-61EE-DC72-2244A119719B}"/>
+                <a16:creationId xmlns:a16="http://schemas.microsoft.com/office/drawing/2014/main" id="{944919B4-A12B-5173-BED4-89D23069DD25}"/>
               </a:ext>
             </a:extLst>
           </p:cNvPr>
@@ -2373,7 +2373,7 @@
           <a:bodyPr/>
           <a:lstStyle/>
           <a:p>
-            <a:fld id="{9AEB049E-18BD-429D-8E14-6D441DFF5E0D}" type="datetimeFigureOut">
+            <a:fld id="{F9021469-322F-4074-87AD-BFB787F4086F}" type="datetimeFigureOut">
               <a:rPr lang="zh-CN" altLang="en-US" smtClean="0"/>
               <a:t>2024/3/10</a:t>
             </a:fld>
@@ -2386,7 +2386,7 @@
           <p:cNvPr id="6" name="页脚占位符 5">
             <a:extLst>
               <a:ext uri="{FF2B5EF4-FFF2-40B4-BE49-F238E27FC236}">
-                <a16:creationId xmlns:a16="http://schemas.microsoft.com/office/drawing/2014/main" id="{27537917-DE32-C617-3E03-9DAB7E6D8253}"/>
+                <a16:creationId xmlns:a16="http://schemas.microsoft.com/office/drawing/2014/main" id="{A380E451-E621-EB58-3662-D1CD2EE897B6}"/>
               </a:ext>
             </a:extLst>
           </p:cNvPr>
@@ -2411,7 +2411,7 @@
           <p:cNvPr id="7" name="灯片编号占位符 6">
             <a:extLst>
               <a:ext uri="{FF2B5EF4-FFF2-40B4-BE49-F238E27FC236}">
-                <a16:creationId xmlns:a16="http://schemas.microsoft.com/office/drawing/2014/main" id="{988C5124-DEB6-AE85-10D4-55FADA7E41D0}"/>
+                <a16:creationId xmlns:a16="http://schemas.microsoft.com/office/drawing/2014/main" id="{3EA03C8A-D431-99E1-A182-19F6C0399750}"/>
               </a:ext>
             </a:extLst>
           </p:cNvPr>
@@ -2427,7 +2427,7 @@
           <a:bodyPr/>
           <a:lstStyle/>
           <a:p>
-            <a:fld id="{2A12BFE6-C5E1-4AF3-9DE5-5EF8995F1CD2}" type="slidenum">
+            <a:fld id="{7BB33A6D-FE43-429C-959A-0B65108E55BB}" type="slidenum">
               <a:rPr lang="zh-CN" altLang="en-US" smtClean="0"/>
               <a:t>‹#›</a:t>
             </a:fld>
@@ -2438,7 +2438,7 @@
     </p:spTree>
     <p:extLst>
       <p:ext uri="{BB962C8B-B14F-4D97-AF65-F5344CB8AC3E}">
-        <p14:creationId xmlns:p14="http://schemas.microsoft.com/office/powerpoint/2010/main" val="4121074238"/>
+        <p14:creationId xmlns:p14="http://schemas.microsoft.com/office/powerpoint/2010/main" val="1356408017"/>
       </p:ext>
     </p:extLst>
   </p:cSld>
@@ -2470,7 +2470,7 @@
           <p:cNvPr id="2" name="标题 1">
             <a:extLst>
               <a:ext uri="{FF2B5EF4-FFF2-40B4-BE49-F238E27FC236}">
-                <a16:creationId xmlns:a16="http://schemas.microsoft.com/office/drawing/2014/main" id="{95BBA813-FDE2-C9C5-665A-1AF9FCA5A2B4}"/>
+                <a16:creationId xmlns:a16="http://schemas.microsoft.com/office/drawing/2014/main" id="{809EF361-0B75-782F-DA1B-61EB27C24EB3}"/>
               </a:ext>
             </a:extLst>
           </p:cNvPr>
@@ -2507,7 +2507,7 @@
           <p:cNvPr id="3" name="图片占位符 2">
             <a:extLst>
               <a:ext uri="{FF2B5EF4-FFF2-40B4-BE49-F238E27FC236}">
-                <a16:creationId xmlns:a16="http://schemas.microsoft.com/office/drawing/2014/main" id="{33E1F19B-C04B-7BC5-B59F-ED50EEDFF6CE}"/>
+                <a16:creationId xmlns:a16="http://schemas.microsoft.com/office/drawing/2014/main" id="{6E299BB3-31DE-5BD7-F0E8-92528A906725}"/>
               </a:ext>
             </a:extLst>
           </p:cNvPr>
@@ -2574,7 +2574,7 @@
           <p:cNvPr id="4" name="文本占位符 3">
             <a:extLst>
               <a:ext uri="{FF2B5EF4-FFF2-40B4-BE49-F238E27FC236}">
-                <a16:creationId xmlns:a16="http://schemas.microsoft.com/office/drawing/2014/main" id="{B74DE778-4A3C-98AD-47C8-C29C2CFD280E}"/>
+                <a16:creationId xmlns:a16="http://schemas.microsoft.com/office/drawing/2014/main" id="{E7A285B0-A3B2-9637-9AA5-D150B095282F}"/>
               </a:ext>
             </a:extLst>
           </p:cNvPr>
@@ -2645,7 +2645,7 @@
           <p:cNvPr id="5" name="日期占位符 4">
             <a:extLst>
               <a:ext uri="{FF2B5EF4-FFF2-40B4-BE49-F238E27FC236}">
-                <a16:creationId xmlns:a16="http://schemas.microsoft.com/office/drawing/2014/main" id="{9865177B-E290-40E5-25B5-4FE34D7512EE}"/>
+                <a16:creationId xmlns:a16="http://schemas.microsoft.com/office/drawing/2014/main" id="{78646481-6A64-1D5E-2784-7C08641865C5}"/>
               </a:ext>
             </a:extLst>
           </p:cNvPr>
@@ -2661,7 +2661,7 @@
           <a:bodyPr/>
           <a:lstStyle/>
           <a:p>
-            <a:fld id="{9AEB049E-18BD-429D-8E14-6D441DFF5E0D}" type="datetimeFigureOut">
+            <a:fld id="{F9021469-322F-4074-87AD-BFB787F4086F}" type="datetimeFigureOut">
               <a:rPr lang="zh-CN" altLang="en-US" smtClean="0"/>
               <a:t>2024/3/10</a:t>
             </a:fld>
@@ -2674,7 +2674,7 @@
           <p:cNvPr id="6" name="页脚占位符 5">
             <a:extLst>
               <a:ext uri="{FF2B5EF4-FFF2-40B4-BE49-F238E27FC236}">
-                <a16:creationId xmlns:a16="http://schemas.microsoft.com/office/drawing/2014/main" id="{66972AC1-A28E-7532-7601-8E66A0D66F0C}"/>
+                <a16:creationId xmlns:a16="http://schemas.microsoft.com/office/drawing/2014/main" id="{F2DF0D6F-6EF8-4A27-3B2B-D4FF83DC7D14}"/>
               </a:ext>
             </a:extLst>
           </p:cNvPr>
@@ -2699,7 +2699,7 @@
           <p:cNvPr id="7" name="灯片编号占位符 6">
             <a:extLst>
               <a:ext uri="{FF2B5EF4-FFF2-40B4-BE49-F238E27FC236}">
-                <a16:creationId xmlns:a16="http://schemas.microsoft.com/office/drawing/2014/main" id="{6FF0DC09-0187-13DC-6593-0ECF208E1EEB}"/>
+                <a16:creationId xmlns:a16="http://schemas.microsoft.com/office/drawing/2014/main" id="{780D349F-4836-7548-0492-B32684EDDB4F}"/>
               </a:ext>
             </a:extLst>
           </p:cNvPr>
@@ -2715,7 +2715,7 @@
           <a:bodyPr/>
           <a:lstStyle/>
           <a:p>
-            <a:fld id="{2A12BFE6-C5E1-4AF3-9DE5-5EF8995F1CD2}" type="slidenum">
+            <a:fld id="{7BB33A6D-FE43-429C-959A-0B65108E55BB}" type="slidenum">
               <a:rPr lang="zh-CN" altLang="en-US" smtClean="0"/>
               <a:t>‹#›</a:t>
             </a:fld>
@@ -2726,7 +2726,7 @@
     </p:spTree>
     <p:extLst>
       <p:ext uri="{BB962C8B-B14F-4D97-AF65-F5344CB8AC3E}">
-        <p14:creationId xmlns:p14="http://schemas.microsoft.com/office/powerpoint/2010/main" val="1481635958"/>
+        <p14:creationId xmlns:p14="http://schemas.microsoft.com/office/powerpoint/2010/main" val="3129918378"/>
       </p:ext>
     </p:extLst>
   </p:cSld>
@@ -2763,7 +2763,7 @@
           <p:cNvPr id="2" name="标题占位符 1">
             <a:extLst>
               <a:ext uri="{FF2B5EF4-FFF2-40B4-BE49-F238E27FC236}">
-                <a16:creationId xmlns:a16="http://schemas.microsoft.com/office/drawing/2014/main" id="{4F61789E-D24C-42F8-4295-EB0528D50564}"/>
+                <a16:creationId xmlns:a16="http://schemas.microsoft.com/office/drawing/2014/main" id="{AC0C6C85-CF3E-F68A-192D-A2521497143E}"/>
               </a:ext>
             </a:extLst>
           </p:cNvPr>
@@ -2801,7 +2801,7 @@
           <p:cNvPr id="3" name="文本占位符 2">
             <a:extLst>
               <a:ext uri="{FF2B5EF4-FFF2-40B4-BE49-F238E27FC236}">
-                <a16:creationId xmlns:a16="http://schemas.microsoft.com/office/drawing/2014/main" id="{5478C6AF-086D-F8DE-42A0-2B703B66CA73}"/>
+                <a16:creationId xmlns:a16="http://schemas.microsoft.com/office/drawing/2014/main" id="{1F4BF13A-6647-2FF4-C7F6-79AE733FB724}"/>
               </a:ext>
             </a:extLst>
           </p:cNvPr>
@@ -2868,7 +2868,7 @@
           <p:cNvPr id="4" name="日期占位符 3">
             <a:extLst>
               <a:ext uri="{FF2B5EF4-FFF2-40B4-BE49-F238E27FC236}">
-                <a16:creationId xmlns:a16="http://schemas.microsoft.com/office/drawing/2014/main" id="{0CB757C5-1284-74A9-30A6-6A2671382024}"/>
+                <a16:creationId xmlns:a16="http://schemas.microsoft.com/office/drawing/2014/main" id="{DB03712B-C54C-7736-6C3F-9CD92DBA6ED8}"/>
               </a:ext>
             </a:extLst>
           </p:cNvPr>
@@ -2902,7 +2902,7 @@
             </a:lvl1pPr>
           </a:lstStyle>
           <a:p>
-            <a:fld id="{9AEB049E-18BD-429D-8E14-6D441DFF5E0D}" type="datetimeFigureOut">
+            <a:fld id="{F9021469-322F-4074-87AD-BFB787F4086F}" type="datetimeFigureOut">
               <a:rPr lang="zh-CN" altLang="en-US" smtClean="0"/>
               <a:t>2024/3/10</a:t>
             </a:fld>
@@ -2915,7 +2915,7 @@
           <p:cNvPr id="5" name="页脚占位符 4">
             <a:extLst>
               <a:ext uri="{FF2B5EF4-FFF2-40B4-BE49-F238E27FC236}">
-                <a16:creationId xmlns:a16="http://schemas.microsoft.com/office/drawing/2014/main" id="{D88EA17E-E143-E378-61BE-5ECE6E74FFD9}"/>
+                <a16:creationId xmlns:a16="http://schemas.microsoft.com/office/drawing/2014/main" id="{C504DB14-6791-2649-B42D-3DB08FF80581}"/>
               </a:ext>
             </a:extLst>
           </p:cNvPr>
@@ -2958,7 +2958,7 @@
           <p:cNvPr id="6" name="灯片编号占位符 5">
             <a:extLst>
               <a:ext uri="{FF2B5EF4-FFF2-40B4-BE49-F238E27FC236}">
-                <a16:creationId xmlns:a16="http://schemas.microsoft.com/office/drawing/2014/main" id="{49990407-A552-0C8A-722B-6C0D7DD48E1A}"/>
+                <a16:creationId xmlns:a16="http://schemas.microsoft.com/office/drawing/2014/main" id="{D4BC80F3-01DE-9C8E-13BC-2BE695E05195}"/>
               </a:ext>
             </a:extLst>
           </p:cNvPr>
@@ -2992,7 +2992,7 @@
             </a:lvl1pPr>
           </a:lstStyle>
           <a:p>
-            <a:fld id="{2A12BFE6-C5E1-4AF3-9DE5-5EF8995F1CD2}" type="slidenum">
+            <a:fld id="{7BB33A6D-FE43-429C-959A-0B65108E55BB}" type="slidenum">
               <a:rPr lang="zh-CN" altLang="en-US" smtClean="0"/>
               <a:t>‹#›</a:t>
             </a:fld>
@@ -3003,7 +3003,7 @@
     </p:spTree>
     <p:extLst>
       <p:ext uri="{BB962C8B-B14F-4D97-AF65-F5344CB8AC3E}">
-        <p14:creationId xmlns:p14="http://schemas.microsoft.com/office/powerpoint/2010/main" val="2445461942"/>
+        <p14:creationId xmlns:p14="http://schemas.microsoft.com/office/powerpoint/2010/main" val="1520008511"/>
       </p:ext>
     </p:extLst>
   </p:cSld>
